--- a/Introduction to ML/Intro to Machine Learning.pptx
+++ b/Introduction to ML/Intro to Machine Learning.pptx
@@ -217,7 +217,7 @@
           <a:p>
             <a:fld id="{08CFCC02-43B6-1140-8197-8C10C084F446}" type="datetimeFigureOut">
               <a:rPr lang="en-US" smtClean="0"/>
-              <a:t>5/17/21</a:t>
+              <a:t>3/1/22</a:t>
             </a:fld>
             <a:endParaRPr lang="en-US"/>
           </a:p>
@@ -732,7 +732,7 @@
           <a:p>
             <a:fld id="{B5898F52-2787-4BA2-BBBC-9395E9F86D50}" type="datetimeFigureOut">
               <a:rPr lang="en-US" smtClean="0"/>
-              <a:t>5/17/21</a:t>
+              <a:t>3/1/22</a:t>
             </a:fld>
             <a:endParaRPr lang="en-US"/>
           </a:p>
@@ -902,7 +902,7 @@
           <a:p>
             <a:fld id="{B5898F52-2787-4BA2-BBBC-9395E9F86D50}" type="datetimeFigureOut">
               <a:rPr lang="en-US" smtClean="0"/>
-              <a:t>5/17/21</a:t>
+              <a:t>3/1/22</a:t>
             </a:fld>
             <a:endParaRPr lang="en-US"/>
           </a:p>
@@ -1082,7 +1082,7 @@
           <a:p>
             <a:fld id="{B5898F52-2787-4BA2-BBBC-9395E9F86D50}" type="datetimeFigureOut">
               <a:rPr lang="en-US" smtClean="0"/>
-              <a:t>5/17/21</a:t>
+              <a:t>3/1/22</a:t>
             </a:fld>
             <a:endParaRPr lang="en-US"/>
           </a:p>
@@ -1252,7 +1252,7 @@
           <a:p>
             <a:fld id="{B5898F52-2787-4BA2-BBBC-9395E9F86D50}" type="datetimeFigureOut">
               <a:rPr lang="en-US" smtClean="0"/>
-              <a:t>5/17/21</a:t>
+              <a:t>3/1/22</a:t>
             </a:fld>
             <a:endParaRPr lang="en-US"/>
           </a:p>
@@ -1520,7 +1520,7 @@
           <a:p>
             <a:fld id="{B5898F52-2787-4BA2-BBBC-9395E9F86D50}" type="datetimeFigureOut">
               <a:rPr lang="en-US" smtClean="0"/>
-              <a:t>5/17/21</a:t>
+              <a:t>3/1/22</a:t>
             </a:fld>
             <a:endParaRPr lang="en-US"/>
           </a:p>
@@ -1752,7 +1752,7 @@
           <a:p>
             <a:fld id="{B5898F52-2787-4BA2-BBBC-9395E9F86D50}" type="datetimeFigureOut">
               <a:rPr lang="en-US" smtClean="0"/>
-              <a:t>5/17/21</a:t>
+              <a:t>3/1/22</a:t>
             </a:fld>
             <a:endParaRPr lang="en-US"/>
           </a:p>
@@ -2108,7 +2108,7 @@
             <a:fld id="{B5898F52-2787-4BA2-BBBC-9395E9F86D50}" type="datetimeFigureOut">
               <a:rPr lang="en-US" smtClean="0"/>
               <a:pPr/>
-              <a:t>5/17/21</a:t>
+              <a:t>3/1/22</a:t>
             </a:fld>
             <a:endParaRPr lang="en-US" dirty="0"/>
           </a:p>
@@ -2250,7 +2250,7 @@
           <a:p>
             <a:fld id="{B5898F52-2787-4BA2-BBBC-9395E9F86D50}" type="datetimeFigureOut">
               <a:rPr lang="en-US" smtClean="0"/>
-              <a:t>5/17/21</a:t>
+              <a:t>3/1/22</a:t>
             </a:fld>
             <a:endParaRPr lang="en-US"/>
           </a:p>
@@ -2345,7 +2345,7 @@
           <a:p>
             <a:fld id="{B5898F52-2787-4BA2-BBBC-9395E9F86D50}" type="datetimeFigureOut">
               <a:rPr lang="en-US" smtClean="0"/>
-              <a:t>5/17/21</a:t>
+              <a:t>3/1/22</a:t>
             </a:fld>
             <a:endParaRPr lang="en-US"/>
           </a:p>
@@ -2702,7 +2702,7 @@
           <a:p>
             <a:fld id="{B5898F52-2787-4BA2-BBBC-9395E9F86D50}" type="datetimeFigureOut">
               <a:rPr lang="en-US" smtClean="0"/>
-              <a:t>5/17/21</a:t>
+              <a:t>3/1/22</a:t>
             </a:fld>
             <a:endParaRPr lang="en-US"/>
           </a:p>
@@ -3058,7 +3058,7 @@
           <a:p>
             <a:fld id="{B5898F52-2787-4BA2-BBBC-9395E9F86D50}" type="datetimeFigureOut">
               <a:rPr lang="en-US" smtClean="0"/>
-              <a:t>5/17/21</a:t>
+              <a:t>3/1/22</a:t>
             </a:fld>
             <a:endParaRPr lang="en-US"/>
           </a:p>
@@ -3299,7 +3299,7 @@
             <a:fld id="{B5898F52-2787-4BA2-BBBC-9395E9F86D50}" type="datetimeFigureOut">
               <a:rPr lang="en-US" smtClean="0"/>
               <a:pPr/>
-              <a:t>5/17/21</a:t>
+              <a:t>3/1/22</a:t>
             </a:fld>
             <a:endParaRPr lang="en-US" dirty="0"/>
           </a:p>
@@ -18459,8 +18459,8 @@
           </a:p>
         </p:txBody>
       </p:sp>
-      <mc:AlternateContent xmlns:mc="http://schemas.openxmlformats.org/markup-compatibility/2006">
-        <mc:Choice xmlns:a14="http://schemas.microsoft.com/office/drawing/2010/main" Requires="a14">
+      <mc:AlternateContent xmlns:mc="http://schemas.openxmlformats.org/markup-compatibility/2006" xmlns:a14="http://schemas.microsoft.com/office/drawing/2010/main">
+        <mc:Choice Requires="a14">
           <p:sp>
             <p:nvSpPr>
               <p:cNvPr id="9" name="Rectangle 8">
@@ -18528,7 +18528,7 @@
             </p:txBody>
           </p:sp>
         </mc:Choice>
-        <mc:Fallback>
+        <mc:Fallback xmlns="">
           <p:sp>
             <p:nvSpPr>
               <p:cNvPr id="9" name="Rectangle 8">
@@ -18631,8 +18631,8 @@
           </a:p>
         </p:txBody>
       </p:sp>
-      <mc:AlternateContent xmlns:mc="http://schemas.openxmlformats.org/markup-compatibility/2006">
-        <mc:Choice xmlns:a14="http://schemas.microsoft.com/office/drawing/2010/main" Requires="a14">
+      <mc:AlternateContent xmlns:mc="http://schemas.openxmlformats.org/markup-compatibility/2006" xmlns:a14="http://schemas.microsoft.com/office/drawing/2010/main">
+        <mc:Choice Requires="a14">
           <p:sp>
             <p:nvSpPr>
               <p:cNvPr id="11" name="Rectangle 10">
@@ -18719,7 +18719,7 @@
             </p:txBody>
           </p:sp>
         </mc:Choice>
-        <mc:Fallback>
+        <mc:Fallback xmlns="">
           <p:sp>
             <p:nvSpPr>
               <p:cNvPr id="11" name="Rectangle 10">
